--- a/freshman/C++特性：指针.pptx
+++ b/freshman/C++特性：指针.pptx
@@ -272,7 +272,7 @@
           <a:p>
             <a:fld id="{A7575444-2E95-40B1-8B38-5B667F3F8C51}" type="datetimeFigureOut">
               <a:rPr lang="zh-CN" altLang="en-US" smtClean="0"/>
-              <a:t>2017/12/18</a:t>
+              <a:t>2017/12/19</a:t>
             </a:fld>
             <a:endParaRPr lang="zh-CN" altLang="en-US"/>
           </a:p>
@@ -1206,7 +1206,7 @@
           <a:p>
             <a:fld id="{6E4996D7-4CC5-4D60-98DB-42C4F4798774}" type="datetimeFigureOut">
               <a:rPr lang="zh-CN" altLang="en-US" smtClean="0"/>
-              <a:t>2017/12/18</a:t>
+              <a:t>2017/12/19</a:t>
             </a:fld>
             <a:endParaRPr lang="zh-CN" altLang="en-US"/>
           </a:p>
@@ -1376,7 +1376,7 @@
           <a:p>
             <a:fld id="{6E4996D7-4CC5-4D60-98DB-42C4F4798774}" type="datetimeFigureOut">
               <a:rPr lang="zh-CN" altLang="en-US" smtClean="0"/>
-              <a:t>2017/12/18</a:t>
+              <a:t>2017/12/19</a:t>
             </a:fld>
             <a:endParaRPr lang="zh-CN" altLang="en-US"/>
           </a:p>
@@ -1556,7 +1556,7 @@
           <a:p>
             <a:fld id="{6E4996D7-4CC5-4D60-98DB-42C4F4798774}" type="datetimeFigureOut">
               <a:rPr lang="zh-CN" altLang="en-US" smtClean="0"/>
-              <a:t>2017/12/18</a:t>
+              <a:t>2017/12/19</a:t>
             </a:fld>
             <a:endParaRPr lang="zh-CN" altLang="en-US"/>
           </a:p>
@@ -1726,7 +1726,7 @@
           <a:p>
             <a:fld id="{6E4996D7-4CC5-4D60-98DB-42C4F4798774}" type="datetimeFigureOut">
               <a:rPr lang="zh-CN" altLang="en-US" smtClean="0"/>
-              <a:t>2017/12/18</a:t>
+              <a:t>2017/12/19</a:t>
             </a:fld>
             <a:endParaRPr lang="zh-CN" altLang="en-US"/>
           </a:p>
@@ -1972,7 +1972,7 @@
           <a:p>
             <a:fld id="{6E4996D7-4CC5-4D60-98DB-42C4F4798774}" type="datetimeFigureOut">
               <a:rPr lang="zh-CN" altLang="en-US" smtClean="0"/>
-              <a:t>2017/12/18</a:t>
+              <a:t>2017/12/19</a:t>
             </a:fld>
             <a:endParaRPr lang="zh-CN" altLang="en-US"/>
           </a:p>
@@ -2204,7 +2204,7 @@
           <a:p>
             <a:fld id="{6E4996D7-4CC5-4D60-98DB-42C4F4798774}" type="datetimeFigureOut">
               <a:rPr lang="zh-CN" altLang="en-US" smtClean="0"/>
-              <a:t>2017/12/18</a:t>
+              <a:t>2017/12/19</a:t>
             </a:fld>
             <a:endParaRPr lang="zh-CN" altLang="en-US"/>
           </a:p>
@@ -2571,7 +2571,7 @@
           <a:p>
             <a:fld id="{6E4996D7-4CC5-4D60-98DB-42C4F4798774}" type="datetimeFigureOut">
               <a:rPr lang="zh-CN" altLang="en-US" smtClean="0"/>
-              <a:t>2017/12/18</a:t>
+              <a:t>2017/12/19</a:t>
             </a:fld>
             <a:endParaRPr lang="zh-CN" altLang="en-US"/>
           </a:p>
@@ -2689,7 +2689,7 @@
           <a:p>
             <a:fld id="{6E4996D7-4CC5-4D60-98DB-42C4F4798774}" type="datetimeFigureOut">
               <a:rPr lang="zh-CN" altLang="en-US" smtClean="0"/>
-              <a:t>2017/12/18</a:t>
+              <a:t>2017/12/19</a:t>
             </a:fld>
             <a:endParaRPr lang="zh-CN" altLang="en-US"/>
           </a:p>
@@ -2784,7 +2784,7 @@
           <a:p>
             <a:fld id="{6E4996D7-4CC5-4D60-98DB-42C4F4798774}" type="datetimeFigureOut">
               <a:rPr lang="zh-CN" altLang="en-US" smtClean="0"/>
-              <a:t>2017/12/18</a:t>
+              <a:t>2017/12/19</a:t>
             </a:fld>
             <a:endParaRPr lang="zh-CN" altLang="en-US"/>
           </a:p>
@@ -3061,7 +3061,7 @@
           <a:p>
             <a:fld id="{6E4996D7-4CC5-4D60-98DB-42C4F4798774}" type="datetimeFigureOut">
               <a:rPr lang="zh-CN" altLang="en-US" smtClean="0"/>
-              <a:t>2017/12/18</a:t>
+              <a:t>2017/12/19</a:t>
             </a:fld>
             <a:endParaRPr lang="zh-CN" altLang="en-US"/>
           </a:p>
@@ -3318,7 +3318,7 @@
           <a:p>
             <a:fld id="{6E4996D7-4CC5-4D60-98DB-42C4F4798774}" type="datetimeFigureOut">
               <a:rPr lang="zh-CN" altLang="en-US" smtClean="0"/>
-              <a:t>2017/12/18</a:t>
+              <a:t>2017/12/19</a:t>
             </a:fld>
             <a:endParaRPr lang="zh-CN" altLang="en-US"/>
           </a:p>
@@ -3531,7 +3531,7 @@
           <a:p>
             <a:fld id="{6E4996D7-4CC5-4D60-98DB-42C4F4798774}" type="datetimeFigureOut">
               <a:rPr lang="zh-CN" altLang="en-US" smtClean="0"/>
-              <a:t>2017/12/18</a:t>
+              <a:t>2017/12/19</a:t>
             </a:fld>
             <a:endParaRPr lang="zh-CN" altLang="en-US"/>
           </a:p>
@@ -5844,7 +5844,7 @@
           <p:nvPr>
             <p:extLst>
               <p:ext uri="{D42A27DB-BD31-4B8C-83A1-F6EECF244321}">
-                <p14:modId xmlns:p14="http://schemas.microsoft.com/office/powerpoint/2010/main" val="1351193178"/>
+                <p14:modId xmlns:p14="http://schemas.microsoft.com/office/powerpoint/2010/main" val="646984788"/>
               </p:ext>
             </p:extLst>
           </p:nvPr>
@@ -6139,7 +6139,7 @@
                       </a:pPr>
                       <a:r>
                         <a:rPr lang="en-US" altLang="zh-CN" dirty="0"/>
-                        <a:t>(0001 1011)₂</a:t>
+                        <a:t>(0001 0001)₂</a:t>
                       </a:r>
                       <a:endParaRPr lang="zh-CN" altLang="en-US" dirty="0"/>
                     </a:p>
@@ -6591,7 +6591,11 @@
             <a:graphicFrameLocks/>
           </p:cNvGraphicFramePr>
           <p:nvPr>
-            <p:extLst/>
+            <p:extLst>
+              <p:ext uri="{D42A27DB-BD31-4B8C-83A1-F6EECF244321}">
+                <p14:modId xmlns:p14="http://schemas.microsoft.com/office/powerpoint/2010/main" val="2483630694"/>
+              </p:ext>
+            </p:extLst>
           </p:nvPr>
         </p:nvGraphicFramePr>
         <p:xfrm>
@@ -6884,7 +6888,7 @@
                       </a:pPr>
                       <a:r>
                         <a:rPr lang="en-US" altLang="zh-CN" dirty="0"/>
-                        <a:t>(0001 1011)₂</a:t>
+                        <a:t>(0001 0001)₂</a:t>
                       </a:r>
                       <a:endParaRPr lang="zh-CN" altLang="en-US" dirty="0"/>
                     </a:p>
@@ -7400,7 +7404,7 @@
           <p:nvPr>
             <p:extLst>
               <p:ext uri="{D42A27DB-BD31-4B8C-83A1-F6EECF244321}">
-                <p14:modId xmlns:p14="http://schemas.microsoft.com/office/powerpoint/2010/main" val="2666391619"/>
+                <p14:modId xmlns:p14="http://schemas.microsoft.com/office/powerpoint/2010/main" val="3998754728"/>
               </p:ext>
             </p:extLst>
           </p:nvPr>
@@ -7943,7 +7947,7 @@
                       </a:pPr>
                       <a:r>
                         <a:rPr lang="en-US" altLang="zh-CN" dirty="0"/>
-                        <a:t>(0001 1011)₂</a:t>
+                        <a:t>(0001 0001)₂</a:t>
                       </a:r>
                       <a:endParaRPr lang="zh-CN" altLang="en-US" dirty="0"/>
                     </a:p>
@@ -8309,7 +8313,11 @@
             <a:graphicFrameLocks/>
           </p:cNvGraphicFramePr>
           <p:nvPr>
-            <p:extLst/>
+            <p:extLst>
+              <p:ext uri="{D42A27DB-BD31-4B8C-83A1-F6EECF244321}">
+                <p14:modId xmlns:p14="http://schemas.microsoft.com/office/powerpoint/2010/main" val="1191604080"/>
+              </p:ext>
+            </p:extLst>
           </p:nvPr>
         </p:nvGraphicFramePr>
         <p:xfrm>
@@ -8850,7 +8858,7 @@
                       </a:pPr>
                       <a:r>
                         <a:rPr lang="en-US" altLang="zh-CN" dirty="0"/>
-                        <a:t>(0001 1011)₂</a:t>
+                        <a:t>(0001 0001)₂</a:t>
                       </a:r>
                       <a:endParaRPr lang="zh-CN" altLang="en-US" dirty="0"/>
                     </a:p>
@@ -10158,7 +10166,7 @@
                 </a:solidFill>
                 <a:latin typeface="Consolas" panose="020B0609020204030204" pitchFamily="49" charset="0"/>
               </a:rPr>
-              <a:t> * p = &amp;</a:t>
+              <a:t> * p = </a:t>
             </a:r>
             <a:r>
               <a:rPr lang="en-US" altLang="zh-CN" sz="4000" dirty="0" err="1">
